--- a/presenation/JavaCRSPresentation.pptx
+++ b/presenation/JavaCRSPresentation.pptx
@@ -3687,10 +3687,18 @@
         <a:lstStyle/>
         <a:p>
           <a:r>
-            <a:rPr lang="en-US" b="1"/>
+            <a:rPr lang="en-US" b="1" dirty="0">
+              <a:solidFill>
+                <a:schemeClr val="tx1"/>
+              </a:solidFill>
+            </a:rPr>
             <a:t>Clients can see the details of the car in the inventory before they make a reservation.</a:t>
           </a:r>
-          <a:endParaRPr lang="en-US"/>
+          <a:endParaRPr lang="en-US" dirty="0">
+            <a:solidFill>
+              <a:schemeClr val="tx1"/>
+            </a:solidFill>
+          </a:endParaRPr>
         </a:p>
       </dgm:t>
     </dgm:pt>
@@ -3724,10 +3732,18 @@
         <a:lstStyle/>
         <a:p>
           <a:r>
-            <a:rPr lang="en-US" b="1"/>
+            <a:rPr lang="en-US" b="1" dirty="0">
+              <a:solidFill>
+                <a:schemeClr val="tx1"/>
+              </a:solidFill>
+            </a:rPr>
             <a:t>Clients can book reservations with our highly experienced reservation specialist through the C.R.S system.</a:t>
           </a:r>
-          <a:endParaRPr lang="en-US"/>
+          <a:endParaRPr lang="en-US" dirty="0">
+            <a:solidFill>
+              <a:schemeClr val="tx1"/>
+            </a:solidFill>
+          </a:endParaRPr>
         </a:p>
       </dgm:t>
     </dgm:pt>
@@ -3761,10 +3777,18 @@
         <a:lstStyle/>
         <a:p>
           <a:r>
-            <a:rPr lang="en-US" b="1"/>
-            <a:t>Clients can update and cancel their reservations.</a:t>
+            <a:rPr lang="en-US" b="1" dirty="0">
+              <a:solidFill>
+                <a:schemeClr val="tx1"/>
+              </a:solidFill>
+            </a:rPr>
+            <a:t>Clients can update and cancel their reservations</a:t>
           </a:r>
-          <a:endParaRPr lang="en-US"/>
+          <a:r>
+            <a:rPr lang="en-US" b="1" dirty="0"/>
+            <a:t>.</a:t>
+          </a:r>
+          <a:endParaRPr lang="en-US" dirty="0"/>
         </a:p>
       </dgm:t>
     </dgm:pt>
@@ -3798,10 +3822,18 @@
         <a:lstStyle/>
         <a:p>
           <a:r>
-            <a:rPr lang="en-US" b="1"/>
+            <a:rPr lang="en-US" b="1" dirty="0">
+              <a:solidFill>
+                <a:schemeClr val="tx1"/>
+              </a:solidFill>
+            </a:rPr>
             <a:t>Clients can see their invoices after they are done making reservations. </a:t>
           </a:r>
-          <a:endParaRPr lang="en-US"/>
+          <a:endParaRPr lang="en-US" dirty="0">
+            <a:solidFill>
+              <a:schemeClr val="tx1"/>
+            </a:solidFill>
+          </a:endParaRPr>
         </a:p>
       </dgm:t>
     </dgm:pt>
@@ -3947,7 +3979,7 @@
       <dgm:spPr/>
     </dgm:pt>
     <dgm:pt modelId="{4A91679B-CBA5-4045-A8A0-DFFB60F5F1C2}" type="pres">
-      <dgm:prSet presAssocID="{AA7B3877-525B-4952-A624-6EB4763699AC}" presName="bgRect" presStyleLbl="bgShp" presStyleIdx="2" presStyleCnt="4"/>
+      <dgm:prSet presAssocID="{AA7B3877-525B-4952-A624-6EB4763699AC}" presName="bgRect" presStyleLbl="bgShp" presStyleIdx="2" presStyleCnt="4" custLinFactNeighborX="46"/>
       <dgm:spPr/>
     </dgm:pt>
     <dgm:pt modelId="{CD518D95-EFD9-42BB-8A17-AF78B3524790}" type="pres">
@@ -4111,10 +4143,10 @@
         <a:lstStyle/>
         <a:p>
           <a:r>
-            <a:rPr lang="en-US" b="1"/>
-            <a:t>Flexible in booking and canceling the reservations</a:t>
+            <a:rPr lang="en-US" b="1" dirty="0"/>
+            <a:t>Flexible and easy to book, update and cancel the reservations</a:t>
           </a:r>
-          <a:endParaRPr lang="en-US"/>
+          <a:endParaRPr lang="en-US" dirty="0"/>
         </a:p>
       </dgm:t>
     </dgm:pt>
@@ -4148,10 +4180,9 @@
         <a:lstStyle/>
         <a:p>
           <a:r>
-            <a:rPr lang="en-US" b="1"/>
-            <a:t>Able to add balance if user doesn’t have sufficient balance to reserve</a:t>
+            <a:rPr lang="en-US" b="1" dirty="0"/>
+            <a:t>User friendly booking system</a:t>
           </a:r>
-          <a:endParaRPr lang="en-US"/>
         </a:p>
       </dgm:t>
     </dgm:pt>
@@ -4185,10 +4216,10 @@
         <a:lstStyle/>
         <a:p>
           <a:r>
-            <a:rPr lang="en-US" b="1"/>
-            <a:t>Able to view the inventory while making reservations</a:t>
+            <a:rPr lang="en-US" b="1" dirty="0"/>
+            <a:t>Multiple users booking functionality</a:t>
           </a:r>
-          <a:endParaRPr lang="en-US"/>
+          <a:endParaRPr lang="en-US" dirty="0"/>
         </a:p>
       </dgm:t>
     </dgm:pt>
@@ -4437,10 +4468,18 @@
         <a:lstStyle/>
         <a:p>
           <a:r>
-            <a:rPr lang="en-US" b="1" dirty="0"/>
+            <a:rPr lang="en-US" b="1" dirty="0">
+              <a:solidFill>
+                <a:schemeClr val="tx1"/>
+              </a:solidFill>
+            </a:rPr>
             <a:t>Able to Logged in as an admin</a:t>
           </a:r>
-          <a:endParaRPr lang="en-US" dirty="0"/>
+          <a:endParaRPr lang="en-US" dirty="0">
+            <a:solidFill>
+              <a:schemeClr val="tx1"/>
+            </a:solidFill>
+          </a:endParaRPr>
         </a:p>
       </dgm:t>
     </dgm:pt>
@@ -4474,10 +4513,18 @@
         <a:lstStyle/>
         <a:p>
           <a:r>
-            <a:rPr lang="en-US" b="1"/>
+            <a:rPr lang="en-US" b="1" dirty="0">
+              <a:solidFill>
+                <a:schemeClr val="tx1"/>
+              </a:solidFill>
+            </a:rPr>
             <a:t>Payment (Credit Card/Loan)</a:t>
           </a:r>
-          <a:endParaRPr lang="en-US"/>
+          <a:endParaRPr lang="en-US" dirty="0">
+            <a:solidFill>
+              <a:schemeClr val="tx1"/>
+            </a:solidFill>
+          </a:endParaRPr>
         </a:p>
       </dgm:t>
     </dgm:pt>
@@ -4511,10 +4558,18 @@
         <a:lstStyle/>
         <a:p>
           <a:r>
-            <a:rPr lang="en-US" b="1"/>
+            <a:rPr lang="en-US" b="1" dirty="0">
+              <a:solidFill>
+                <a:schemeClr val="tx1"/>
+              </a:solidFill>
+            </a:rPr>
             <a:t>Graphical User Interface(GUI)</a:t>
           </a:r>
-          <a:endParaRPr lang="en-US"/>
+          <a:endParaRPr lang="en-US" dirty="0">
+            <a:solidFill>
+              <a:schemeClr val="tx1"/>
+            </a:solidFill>
+          </a:endParaRPr>
         </a:p>
       </dgm:t>
     </dgm:pt>
@@ -4548,10 +4603,18 @@
         <a:lstStyle/>
         <a:p>
           <a:r>
-            <a:rPr lang="en-US" b="1"/>
-            <a:t>Database </a:t>
+            <a:rPr lang="en-US" b="1" dirty="0">
+              <a:solidFill>
+                <a:schemeClr val="tx1"/>
+              </a:solidFill>
+            </a:rPr>
+            <a:t>Database</a:t>
           </a:r>
-          <a:endParaRPr lang="en-US"/>
+          <a:r>
+            <a:rPr lang="en-US" b="1" dirty="0"/>
+            <a:t> </a:t>
+          </a:r>
+          <a:endParaRPr lang="en-US" dirty="0"/>
         </a:p>
       </dgm:t>
     </dgm:pt>
@@ -4600,7 +4663,7 @@
       <dgm:spPr/>
     </dgm:pt>
     <dgm:pt modelId="{685EFFF1-2FF4-E148-B338-463BA3EFE395}" type="pres">
-      <dgm:prSet presAssocID="{EE628D9B-79F3-4FF7-BC0F-881613F615A6}" presName="parentText" presStyleLbl="node1" presStyleIdx="1" presStyleCnt="4">
+      <dgm:prSet presAssocID="{EE628D9B-79F3-4FF7-BC0F-881613F615A6}" presName="parentText" presStyleLbl="node1" presStyleIdx="1" presStyleCnt="4" custLinFactNeighborX="46" custLinFactNeighborY="-14892">
         <dgm:presLayoutVars>
           <dgm:chMax val="0"/>
           <dgm:bulletEnabled val="1"/>
@@ -4685,12 +4748,8 @@
         <a:lstStyle/>
         <a:p>
           <a:r>
-            <a:rPr lang="en-US" dirty="0" err="1"/>
-            <a:t>TeamWork</a:t>
-          </a:r>
-          <a:r>
             <a:rPr lang="en-US" dirty="0"/>
-            <a:t> (mob/pair programming)</a:t>
+            <a:t>Teamwork (mob/pair programming)</a:t>
           </a:r>
         </a:p>
       </dgm:t>
@@ -4797,8 +4856,8 @@
         <a:lstStyle/>
         <a:p>
           <a:r>
-            <a:rPr lang="en-US"/>
-            <a:t>Building new repositories from the ground up</a:t>
+            <a:rPr lang="en-US" dirty="0"/>
+            <a:t>Building new repositories from the scratch</a:t>
           </a:r>
         </a:p>
       </dgm:t>
@@ -5202,10 +5261,18 @@
             <a:buNone/>
           </a:pPr>
           <a:r>
-            <a:rPr lang="en-US" sz="2200" b="1" kern="1200"/>
+            <a:rPr lang="en-US" sz="2200" b="1" kern="1200" dirty="0">
+              <a:solidFill>
+                <a:schemeClr val="tx1"/>
+              </a:solidFill>
+            </a:rPr>
             <a:t>Clients can see the details of the car in the inventory before they make a reservation.</a:t>
           </a:r>
-          <a:endParaRPr lang="en-US" sz="2200" kern="1200"/>
+          <a:endParaRPr lang="en-US" sz="2200" kern="1200" dirty="0">
+            <a:solidFill>
+              <a:schemeClr val="tx1"/>
+            </a:solidFill>
+          </a:endParaRPr>
         </a:p>
       </dsp:txBody>
       <dsp:txXfrm>
@@ -5354,10 +5421,18 @@
             <a:buNone/>
           </a:pPr>
           <a:r>
-            <a:rPr lang="en-US" sz="2200" b="1" kern="1200"/>
+            <a:rPr lang="en-US" sz="2200" b="1" kern="1200" dirty="0">
+              <a:solidFill>
+                <a:schemeClr val="tx1"/>
+              </a:solidFill>
+            </a:rPr>
             <a:t>Clients can book reservations with our highly experienced reservation specialist through the C.R.S system.</a:t>
           </a:r>
-          <a:endParaRPr lang="en-US" sz="2200" kern="1200"/>
+          <a:endParaRPr lang="en-US" sz="2200" kern="1200" dirty="0">
+            <a:solidFill>
+              <a:schemeClr val="tx1"/>
+            </a:solidFill>
+          </a:endParaRPr>
         </a:p>
       </dsp:txBody>
       <dsp:txXfrm>
@@ -5506,10 +5581,18 @@
             <a:buNone/>
           </a:pPr>
           <a:r>
-            <a:rPr lang="en-US" sz="2200" b="1" kern="1200"/>
-            <a:t>Clients can update and cancel their reservations.</a:t>
+            <a:rPr lang="en-US" sz="2200" b="1" kern="1200" dirty="0">
+              <a:solidFill>
+                <a:schemeClr val="tx1"/>
+              </a:solidFill>
+            </a:rPr>
+            <a:t>Clients can update and cancel their reservations</a:t>
           </a:r>
-          <a:endParaRPr lang="en-US" sz="2200" kern="1200"/>
+          <a:r>
+            <a:rPr lang="en-US" sz="2200" b="1" kern="1200" dirty="0"/>
+            <a:t>.</a:t>
+          </a:r>
+          <a:endParaRPr lang="en-US" sz="2200" kern="1200" dirty="0"/>
         </a:p>
       </dsp:txBody>
       <dsp:txXfrm>
@@ -5658,10 +5741,18 @@
             <a:buNone/>
           </a:pPr>
           <a:r>
-            <a:rPr lang="en-US" sz="2200" b="1" kern="1200"/>
+            <a:rPr lang="en-US" sz="2200" b="1" kern="1200" dirty="0">
+              <a:solidFill>
+                <a:schemeClr val="tx1"/>
+              </a:solidFill>
+            </a:rPr>
             <a:t>Clients can see their invoices after they are done making reservations. </a:t>
           </a:r>
-          <a:endParaRPr lang="en-US" sz="2200" kern="1200"/>
+          <a:endParaRPr lang="en-US" sz="2200" kern="1200" dirty="0">
+            <a:solidFill>
+              <a:schemeClr val="tx1"/>
+            </a:solidFill>
+          </a:endParaRPr>
         </a:p>
       </dsp:txBody>
       <dsp:txXfrm>
@@ -5823,10 +5914,10 @@
             <a:buNone/>
           </a:pPr>
           <a:r>
-            <a:rPr lang="en-US" sz="2500" b="1" kern="1200"/>
-            <a:t>Flexible in booking and canceling the reservations</a:t>
+            <a:rPr lang="en-US" sz="2500" b="1" kern="1200" dirty="0"/>
+            <a:t>Flexible and easy to book, update and cancel the reservations</a:t>
           </a:r>
-          <a:endParaRPr lang="en-US" sz="2500" kern="1200"/>
+          <a:endParaRPr lang="en-US" sz="2500" kern="1200" dirty="0"/>
         </a:p>
       </dsp:txBody>
       <dsp:txXfrm>
@@ -5976,10 +6067,9 @@
             <a:buNone/>
           </a:pPr>
           <a:r>
-            <a:rPr lang="en-US" sz="2500" b="1" kern="1200"/>
-            <a:t>Able to add balance if user doesn’t have sufficient balance to reserve</a:t>
+            <a:rPr lang="en-US" sz="2500" b="1" kern="1200" dirty="0"/>
+            <a:t>User friendly booking system</a:t>
           </a:r>
-          <a:endParaRPr lang="en-US" sz="2500" kern="1200"/>
         </a:p>
       </dsp:txBody>
       <dsp:txXfrm>
@@ -6129,10 +6219,10 @@
             <a:buNone/>
           </a:pPr>
           <a:r>
-            <a:rPr lang="en-US" sz="2500" b="1" kern="1200"/>
-            <a:t>Able to view the inventory while making reservations</a:t>
+            <a:rPr lang="en-US" sz="2500" b="1" kern="1200" dirty="0"/>
+            <a:t>Multiple users booking functionality</a:t>
           </a:r>
-          <a:endParaRPr lang="en-US" sz="2500" kern="1200"/>
+          <a:endParaRPr lang="en-US" sz="2500" kern="1200" dirty="0"/>
         </a:p>
       </dsp:txBody>
       <dsp:txXfrm>
@@ -6220,10 +6310,18 @@
             <a:buNone/>
           </a:pPr>
           <a:r>
-            <a:rPr lang="en-US" sz="5200" b="1" kern="1200" dirty="0"/>
+            <a:rPr lang="en-US" sz="5200" b="1" kern="1200" dirty="0">
+              <a:solidFill>
+                <a:schemeClr val="tx1"/>
+              </a:solidFill>
+            </a:rPr>
             <a:t>Able to Logged in as an admin</a:t>
           </a:r>
-          <a:endParaRPr lang="en-US" sz="5200" kern="1200" dirty="0"/>
+          <a:endParaRPr lang="en-US" sz="5200" kern="1200" dirty="0">
+            <a:solidFill>
+              <a:schemeClr val="tx1"/>
+            </a:solidFill>
+          </a:endParaRPr>
         </a:p>
       </dsp:txBody>
       <dsp:txXfrm>
@@ -6238,7 +6336,7 @@
       </dsp:nvSpPr>
       <dsp:spPr>
         <a:xfrm>
-          <a:off x="0" y="1445970"/>
+          <a:off x="0" y="1423668"/>
           <a:ext cx="6900512" cy="1247220"/>
         </a:xfrm>
         <a:prstGeom prst="roundRect">
@@ -6299,14 +6397,22 @@
             <a:buNone/>
           </a:pPr>
           <a:r>
-            <a:rPr lang="en-US" sz="5200" b="1" kern="1200"/>
+            <a:rPr lang="en-US" sz="5200" b="1" kern="1200" dirty="0">
+              <a:solidFill>
+                <a:schemeClr val="tx1"/>
+              </a:solidFill>
+            </a:rPr>
             <a:t>Payment (Credit Card/Loan)</a:t>
           </a:r>
-          <a:endParaRPr lang="en-US" sz="5200" kern="1200"/>
+          <a:endParaRPr lang="en-US" sz="5200" kern="1200" dirty="0">
+            <a:solidFill>
+              <a:schemeClr val="tx1"/>
+            </a:solidFill>
+          </a:endParaRPr>
         </a:p>
       </dsp:txBody>
       <dsp:txXfrm>
-        <a:off x="60884" y="1506854"/>
+        <a:off x="60884" y="1484552"/>
         <a:ext cx="6778744" cy="1125452"/>
       </dsp:txXfrm>
     </dsp:sp>
@@ -6378,10 +6484,18 @@
             <a:buNone/>
           </a:pPr>
           <a:r>
-            <a:rPr lang="en-US" sz="5200" b="1" kern="1200"/>
+            <a:rPr lang="en-US" sz="5200" b="1" kern="1200" dirty="0">
+              <a:solidFill>
+                <a:schemeClr val="tx1"/>
+              </a:solidFill>
+            </a:rPr>
             <a:t>Graphical User Interface(GUI)</a:t>
           </a:r>
-          <a:endParaRPr lang="en-US" sz="5200" kern="1200"/>
+          <a:endParaRPr lang="en-US" sz="5200" kern="1200" dirty="0">
+            <a:solidFill>
+              <a:schemeClr val="tx1"/>
+            </a:solidFill>
+          </a:endParaRPr>
         </a:p>
       </dsp:txBody>
       <dsp:txXfrm>
@@ -6457,10 +6571,18 @@
             <a:buNone/>
           </a:pPr>
           <a:r>
-            <a:rPr lang="en-US" sz="5200" b="1" kern="1200"/>
-            <a:t>Database </a:t>
+            <a:rPr lang="en-US" sz="5200" b="1" kern="1200" dirty="0">
+              <a:solidFill>
+                <a:schemeClr val="tx1"/>
+              </a:solidFill>
+            </a:rPr>
+            <a:t>Database</a:t>
           </a:r>
-          <a:endParaRPr lang="en-US" sz="5200" kern="1200"/>
+          <a:r>
+            <a:rPr lang="en-US" sz="5200" b="1" kern="1200" dirty="0"/>
+            <a:t> </a:t>
+          </a:r>
+          <a:endParaRPr lang="en-US" sz="5200" kern="1200" dirty="0"/>
         </a:p>
       </dsp:txBody>
       <dsp:txXfrm>
@@ -6580,12 +6702,8 @@
             <a:buNone/>
           </a:pPr>
           <a:r>
-            <a:rPr lang="en-US" sz="3700" kern="1200" dirty="0" err="1"/>
-            <a:t>TeamWork</a:t>
-          </a:r>
-          <a:r>
             <a:rPr lang="en-US" sz="3700" kern="1200" dirty="0"/>
-            <a:t> (mob/pair programming)</a:t>
+            <a:t>Teamwork (mob/pair programming)</a:t>
           </a:r>
         </a:p>
       </dsp:txBody>
@@ -6914,8 +7032,8 @@
             <a:buNone/>
           </a:pPr>
           <a:r>
-            <a:rPr lang="en-US" sz="3700" kern="1200"/>
-            <a:t>Building new repositories from the ground up</a:t>
+            <a:rPr lang="en-US" sz="3700" kern="1200" dirty="0"/>
+            <a:t>Building new repositories from the scratch</a:t>
           </a:r>
         </a:p>
       </dsp:txBody>
@@ -19489,10 +19607,9 @@
           <a:lstStyle/>
           <a:p>
             <a:r>
-              <a:rPr lang="en-US" sz="3200"/>
+              <a:rPr lang="en-US" sz="4000" dirty="0"/>
               <a:t>Alex, Chongwei, Rupesh</a:t>
             </a:r>
-            <a:endParaRPr lang="en-US" sz="3200" dirty="0"/>
           </a:p>
         </p:txBody>
       </p:sp>
@@ -22612,7 +22729,7 @@
           <a:lstStyle/>
           <a:p>
             <a:r>
-              <a:rPr lang="en-US" sz="7200"/>
+              <a:rPr lang="en-US" sz="7200" dirty="0"/>
               <a:t>Team C.A.R</a:t>
             </a:r>
           </a:p>
@@ -22931,20 +23048,37 @@
         </p:spPr>
         <p:txBody>
           <a:bodyPr anchor="ctr">
-            <a:normAutofit/>
+            <a:normAutofit fontScale="70000" lnSpcReduction="20000"/>
           </a:bodyPr>
           <a:lstStyle/>
           <a:p>
             <a:r>
               <a:rPr lang="en-US" b="1" dirty="0"/>
-              <a:t>Alex Aguilar (AWS</a:t>
+              <a:t>Alex Aguilar</a:t>
             </a:r>
             <a:br>
-              <a:rPr lang="en-US" dirty="0">
-                <a:solidFill>
-                  <a:srgbClr val="FFFFFF"/>
-                </a:solidFill>
-              </a:rPr>
+              <a:rPr lang="en-US" b="1" dirty="0"/>
+            </a:br>
+            <a:r>
+              <a:rPr lang="en-US" sz="2800" b="1" dirty="0"/>
+              <a:t>-Location: Pearl City, HI</a:t>
+            </a:r>
+            <a:br>
+              <a:rPr lang="en-US" sz="2800" b="1" dirty="0"/>
+            </a:br>
+            <a:r>
+              <a:rPr lang="en-US" sz="2800" b="1" dirty="0"/>
+              <a:t>-OJT Team: Engineering Planning &amp; Analytics</a:t>
+            </a:r>
+            <a:br>
+              <a:rPr lang="en-US" sz="2800" b="1" dirty="0"/>
+            </a:br>
+            <a:r>
+              <a:rPr lang="en-US" sz="2800" b="1" dirty="0"/>
+              <a:t>-When I was in the Air Force, I could benchpress 450lbs and deadlift and squat 500lbs. </a:t>
+            </a:r>
+            <a:br>
+              <a:rPr lang="en-US" b="1" dirty="0"/>
             </a:br>
             <a:endParaRPr lang="en-US" dirty="0">
               <a:solidFill>
@@ -22954,31 +23088,64 @@
           </a:p>
           <a:p>
             <a:r>
-              <a:rPr lang="en-US" b="1" dirty="0" err="1"/>
-              <a:t>Chongwei</a:t>
+              <a:rPr lang="en-US" b="1" dirty="0"/>
+              <a:t>Chongwei Ma</a:t>
+            </a:r>
+            <a:br>
+              <a:rPr lang="en-US" b="1" dirty="0"/>
+            </a:br>
+            <a:r>
+              <a:rPr lang="en-US" sz="2800" b="1" dirty="0"/>
+              <a:t>-Location: Seattle, WA</a:t>
+            </a:r>
+            <a:br>
+              <a:rPr lang="en-US" sz="2800" b="1" dirty="0"/>
+            </a:br>
+            <a:r>
+              <a:rPr lang="en-US" sz="2800" b="1" dirty="0"/>
+              <a:t>-OJT Team: Documentation Develo</a:t>
             </a:r>
             <a:r>
               <a:rPr lang="en-US" b="1" dirty="0"/>
-              <a:t> Ma</a:t>
+              <a:t>p Operations</a:t>
             </a:r>
+            <a:br>
+              <a:rPr lang="en-US" sz="2800" b="1" dirty="0"/>
+            </a:br>
+            <a:r>
+              <a:rPr lang="en-US" sz="2800" b="1" dirty="0"/>
+              <a:t>-I like pistol shooting and I was really thinking open a gun shop one day before joining AWS</a:t>
+            </a:r>
+            <a:endParaRPr lang="en-US" sz="2800" dirty="0"/>
           </a:p>
           <a:p>
             <a:pPr marL="0" indent="0">
               <a:buNone/>
             </a:pPr>
-            <a:r>
-              <a:rPr lang="en-US" dirty="0">
-                <a:solidFill>
-                  <a:srgbClr val="FFFFFF"/>
-                </a:solidFill>
-              </a:rPr>
-              <a:t> </a:t>
-            </a:r>
+            <a:endParaRPr lang="en-US" dirty="0">
+              <a:solidFill>
+                <a:srgbClr val="FFFFFF"/>
+              </a:solidFill>
+            </a:endParaRPr>
           </a:p>
           <a:p>
             <a:r>
               <a:rPr lang="en-US" b="1" dirty="0"/>
-              <a:t>Rupesh Ghimire(AWS Pricing) </a:t>
+              <a:t>Rupesh Ghimire</a:t>
+            </a:r>
+            <a:br>
+              <a:rPr lang="en-US" b="1" dirty="0"/>
+            </a:br>
+            <a:r>
+              <a:rPr lang="en-US" b="1" dirty="0"/>
+              <a:t>-Location: Cameron, NC</a:t>
+            </a:r>
+            <a:br>
+              <a:rPr lang="en-US" b="1" dirty="0"/>
+            </a:br>
+            <a:r>
+              <a:rPr lang="en-US" b="1" dirty="0"/>
+              <a:t>-OJT Team: AWS Pricing</a:t>
             </a:r>
             <a:br>
               <a:rPr lang="en-US" b="1" dirty="0"/>
@@ -22987,10 +23154,7 @@
               <a:rPr lang="en-US" b="1" dirty="0"/>
               <a:t>-I like playing outdoor games and I was a ping pong champion during my freshman year in college</a:t>
             </a:r>
-            <a:r>
-              <a:rPr lang="en-US" dirty="0"/>
-              <a:t>.</a:t>
-            </a:r>
+            <a:endParaRPr lang="en-US" dirty="0"/>
           </a:p>
         </p:txBody>
       </p:sp>
@@ -23420,7 +23584,7 @@
             <p:ph idx="1"/>
             <p:extLst>
               <p:ext uri="{D42A27DB-BD31-4B8C-83A1-F6EECF244321}">
-                <p14:modId xmlns:p14="http://schemas.microsoft.com/office/powerpoint/2010/main" val="2992486815"/>
+                <p14:modId xmlns:p14="http://schemas.microsoft.com/office/powerpoint/2010/main" val="927603121"/>
               </p:ext>
             </p:extLst>
           </p:nvPr>
@@ -24693,8 +24857,8 @@
           <a:p>
             <a:pPr algn="l"/>
             <a:r>
-              <a:rPr lang="en-US" sz="8800"/>
-              <a:t>Demo</a:t>
+              <a:rPr lang="en-US" sz="8800" dirty="0"/>
+              <a:t>   C.R.S Demo</a:t>
             </a:r>
           </a:p>
         </p:txBody>
@@ -26093,7 +26257,7 @@
             <p:ph idx="1"/>
             <p:extLst>
               <p:ext uri="{D42A27DB-BD31-4B8C-83A1-F6EECF244321}">
-                <p14:modId xmlns:p14="http://schemas.microsoft.com/office/powerpoint/2010/main" val="1459255065"/>
+                <p14:modId xmlns:p14="http://schemas.microsoft.com/office/powerpoint/2010/main" val="2168513851"/>
               </p:ext>
             </p:extLst>
           </p:nvPr>
@@ -26534,7 +26698,7 @@
             <p:ph idx="1"/>
             <p:extLst>
               <p:ext uri="{D42A27DB-BD31-4B8C-83A1-F6EECF244321}">
-                <p14:modId xmlns:p14="http://schemas.microsoft.com/office/powerpoint/2010/main" val="1669848258"/>
+                <p14:modId xmlns:p14="http://schemas.microsoft.com/office/powerpoint/2010/main" val="4104416313"/>
               </p:ext>
             </p:extLst>
           </p:nvPr>
@@ -27453,7 +27617,7 @@
             <p:ph idx="1"/>
             <p:extLst>
               <p:ext uri="{D42A27DB-BD31-4B8C-83A1-F6EECF244321}">
-                <p14:modId xmlns:p14="http://schemas.microsoft.com/office/powerpoint/2010/main" val="1717228993"/>
+                <p14:modId xmlns:p14="http://schemas.microsoft.com/office/powerpoint/2010/main" val="1201721286"/>
               </p:ext>
             </p:extLst>
           </p:nvPr>
